--- a/ppt 16-9/0812.你可知道.pptx
+++ b/ppt 16-9/0812.你可知道.pptx
@@ -129,7 +129,7 @@
           <p:cNvPr id="2" name="标题 1">
             <a:extLst>
               <a:ext uri="{FF2B5EF4-FFF2-40B4-BE49-F238E27FC236}">
-                <a16:creationId xmlns:a16="http://schemas.microsoft.com/office/drawing/2014/main" id="{BF042C12-22FD-BC21-39B6-F5BE86CB48E6}"/>
+                <a16:creationId xmlns:a16="http://schemas.microsoft.com/office/drawing/2014/main" id="{D1BD27BC-32A0-991A-31B9-4535123895CB}"/>
               </a:ext>
             </a:extLst>
           </p:cNvPr>
@@ -166,7 +166,7 @@
           <p:cNvPr id="3" name="副标题 2">
             <a:extLst>
               <a:ext uri="{FF2B5EF4-FFF2-40B4-BE49-F238E27FC236}">
-                <a16:creationId xmlns:a16="http://schemas.microsoft.com/office/drawing/2014/main" id="{4E75D267-4737-E955-1F5D-BAD90A4DBDAC}"/>
+                <a16:creationId xmlns:a16="http://schemas.microsoft.com/office/drawing/2014/main" id="{66245943-B4AC-793D-08E2-5A8986C09C9E}"/>
               </a:ext>
             </a:extLst>
           </p:cNvPr>
@@ -236,7 +236,7 @@
           <p:cNvPr id="4" name="日期占位符 3">
             <a:extLst>
               <a:ext uri="{FF2B5EF4-FFF2-40B4-BE49-F238E27FC236}">
-                <a16:creationId xmlns:a16="http://schemas.microsoft.com/office/drawing/2014/main" id="{AC684EDE-2DC4-CEDA-29D0-5BBD65098924}"/>
+                <a16:creationId xmlns:a16="http://schemas.microsoft.com/office/drawing/2014/main" id="{7DE137EE-DF75-DBEA-4CA1-A7E2638FD33D}"/>
               </a:ext>
             </a:extLst>
           </p:cNvPr>
@@ -252,7 +252,7 @@
           <a:bodyPr/>
           <a:lstStyle/>
           <a:p>
-            <a:fld id="{D67A56D4-F63E-4F07-8B35-9478B15E39BD}" type="datetimeFigureOut">
+            <a:fld id="{1EBDF2E8-719B-4272-A629-BAD6CEEE1EB8}" type="datetimeFigureOut">
               <a:rPr lang="zh-CN" altLang="en-US" smtClean="0"/>
               <a:t>2024/3/10</a:t>
             </a:fld>
@@ -265,7 +265,7 @@
           <p:cNvPr id="5" name="页脚占位符 4">
             <a:extLst>
               <a:ext uri="{FF2B5EF4-FFF2-40B4-BE49-F238E27FC236}">
-                <a16:creationId xmlns:a16="http://schemas.microsoft.com/office/drawing/2014/main" id="{C45DC61C-972D-25FF-C3C8-B3B82993B9F6}"/>
+                <a16:creationId xmlns:a16="http://schemas.microsoft.com/office/drawing/2014/main" id="{113F51D6-02D9-F8BB-B9B7-504110ABC16F}"/>
               </a:ext>
             </a:extLst>
           </p:cNvPr>
@@ -290,7 +290,7 @@
           <p:cNvPr id="6" name="灯片编号占位符 5">
             <a:extLst>
               <a:ext uri="{FF2B5EF4-FFF2-40B4-BE49-F238E27FC236}">
-                <a16:creationId xmlns:a16="http://schemas.microsoft.com/office/drawing/2014/main" id="{D56D7C65-539C-BFDD-F19C-D0782B54AA73}"/>
+                <a16:creationId xmlns:a16="http://schemas.microsoft.com/office/drawing/2014/main" id="{B1E2C6B1-33ED-DFAF-72CF-68EA4D25473C}"/>
               </a:ext>
             </a:extLst>
           </p:cNvPr>
@@ -306,7 +306,7 @@
           <a:bodyPr/>
           <a:lstStyle/>
           <a:p>
-            <a:fld id="{7C0145BC-BEB6-4AA0-85EB-9D4508F9EFD4}" type="slidenum">
+            <a:fld id="{446EBBE9-8515-4B64-808C-CE944719A30B}" type="slidenum">
               <a:rPr lang="zh-CN" altLang="en-US" smtClean="0"/>
               <a:t>‹#›</a:t>
             </a:fld>
@@ -317,7 +317,7 @@
     </p:spTree>
     <p:extLst>
       <p:ext uri="{BB962C8B-B14F-4D97-AF65-F5344CB8AC3E}">
-        <p14:creationId xmlns:p14="http://schemas.microsoft.com/office/powerpoint/2010/main" val="2840316247"/>
+        <p14:creationId xmlns:p14="http://schemas.microsoft.com/office/powerpoint/2010/main" val="3244706759"/>
       </p:ext>
     </p:extLst>
   </p:cSld>
@@ -349,7 +349,7 @@
           <p:cNvPr id="2" name="标题 1">
             <a:extLst>
               <a:ext uri="{FF2B5EF4-FFF2-40B4-BE49-F238E27FC236}">
-                <a16:creationId xmlns:a16="http://schemas.microsoft.com/office/drawing/2014/main" id="{61115C84-591B-E622-9568-A43CC08C470B}"/>
+                <a16:creationId xmlns:a16="http://schemas.microsoft.com/office/drawing/2014/main" id="{92B43370-E718-60ED-4399-A6E8FFC2FD1B}"/>
               </a:ext>
             </a:extLst>
           </p:cNvPr>
@@ -377,7 +377,7 @@
           <p:cNvPr id="3" name="竖排文字占位符 2">
             <a:extLst>
               <a:ext uri="{FF2B5EF4-FFF2-40B4-BE49-F238E27FC236}">
-                <a16:creationId xmlns:a16="http://schemas.microsoft.com/office/drawing/2014/main" id="{44BE6ECE-9CE3-F97B-2D59-D59FB81FB551}"/>
+                <a16:creationId xmlns:a16="http://schemas.microsoft.com/office/drawing/2014/main" id="{64BCA8D2-EFC2-D031-3447-512013858750}"/>
               </a:ext>
             </a:extLst>
           </p:cNvPr>
@@ -434,7 +434,7 @@
           <p:cNvPr id="4" name="日期占位符 3">
             <a:extLst>
               <a:ext uri="{FF2B5EF4-FFF2-40B4-BE49-F238E27FC236}">
-                <a16:creationId xmlns:a16="http://schemas.microsoft.com/office/drawing/2014/main" id="{E97F192E-B065-BDB5-F5AC-790AD43D2F8B}"/>
+                <a16:creationId xmlns:a16="http://schemas.microsoft.com/office/drawing/2014/main" id="{6DB69B70-B88A-FAEA-4E13-C964E84400D4}"/>
               </a:ext>
             </a:extLst>
           </p:cNvPr>
@@ -450,7 +450,7 @@
           <a:bodyPr/>
           <a:lstStyle/>
           <a:p>
-            <a:fld id="{D67A56D4-F63E-4F07-8B35-9478B15E39BD}" type="datetimeFigureOut">
+            <a:fld id="{1EBDF2E8-719B-4272-A629-BAD6CEEE1EB8}" type="datetimeFigureOut">
               <a:rPr lang="zh-CN" altLang="en-US" smtClean="0"/>
               <a:t>2024/3/10</a:t>
             </a:fld>
@@ -463,7 +463,7 @@
           <p:cNvPr id="5" name="页脚占位符 4">
             <a:extLst>
               <a:ext uri="{FF2B5EF4-FFF2-40B4-BE49-F238E27FC236}">
-                <a16:creationId xmlns:a16="http://schemas.microsoft.com/office/drawing/2014/main" id="{88EA06D9-CE4F-F82E-6765-50732EE5F711}"/>
+                <a16:creationId xmlns:a16="http://schemas.microsoft.com/office/drawing/2014/main" id="{9A33DD7B-C25E-67CB-B3C5-398F53CE04F9}"/>
               </a:ext>
             </a:extLst>
           </p:cNvPr>
@@ -488,7 +488,7 @@
           <p:cNvPr id="6" name="灯片编号占位符 5">
             <a:extLst>
               <a:ext uri="{FF2B5EF4-FFF2-40B4-BE49-F238E27FC236}">
-                <a16:creationId xmlns:a16="http://schemas.microsoft.com/office/drawing/2014/main" id="{0EFB1D6A-1362-845D-653C-CFD80112B315}"/>
+                <a16:creationId xmlns:a16="http://schemas.microsoft.com/office/drawing/2014/main" id="{F402B8F3-38B5-94F2-38D0-0E29C486F3BB}"/>
               </a:ext>
             </a:extLst>
           </p:cNvPr>
@@ -504,7 +504,7 @@
           <a:bodyPr/>
           <a:lstStyle/>
           <a:p>
-            <a:fld id="{7C0145BC-BEB6-4AA0-85EB-9D4508F9EFD4}" type="slidenum">
+            <a:fld id="{446EBBE9-8515-4B64-808C-CE944719A30B}" type="slidenum">
               <a:rPr lang="zh-CN" altLang="en-US" smtClean="0"/>
               <a:t>‹#›</a:t>
             </a:fld>
@@ -515,7 +515,7 @@
     </p:spTree>
     <p:extLst>
       <p:ext uri="{BB962C8B-B14F-4D97-AF65-F5344CB8AC3E}">
-        <p14:creationId xmlns:p14="http://schemas.microsoft.com/office/powerpoint/2010/main" val="385578153"/>
+        <p14:creationId xmlns:p14="http://schemas.microsoft.com/office/powerpoint/2010/main" val="68127534"/>
       </p:ext>
     </p:extLst>
   </p:cSld>
@@ -547,7 +547,7 @@
           <p:cNvPr id="2" name="竖排标题 1">
             <a:extLst>
               <a:ext uri="{FF2B5EF4-FFF2-40B4-BE49-F238E27FC236}">
-                <a16:creationId xmlns:a16="http://schemas.microsoft.com/office/drawing/2014/main" id="{E18A2590-7A47-6C4D-8BA3-9A3BB760D4C8}"/>
+                <a16:creationId xmlns:a16="http://schemas.microsoft.com/office/drawing/2014/main" id="{92AD6D83-B6A6-F4EC-2270-9ECC80EA2911}"/>
               </a:ext>
             </a:extLst>
           </p:cNvPr>
@@ -580,7 +580,7 @@
           <p:cNvPr id="3" name="竖排文字占位符 2">
             <a:extLst>
               <a:ext uri="{FF2B5EF4-FFF2-40B4-BE49-F238E27FC236}">
-                <a16:creationId xmlns:a16="http://schemas.microsoft.com/office/drawing/2014/main" id="{E4202D42-11CD-C0C5-F8FA-0FEA22D36A18}"/>
+                <a16:creationId xmlns:a16="http://schemas.microsoft.com/office/drawing/2014/main" id="{3D56E415-6D36-1A80-FD73-502F5B5E7F54}"/>
               </a:ext>
             </a:extLst>
           </p:cNvPr>
@@ -642,7 +642,7 @@
           <p:cNvPr id="4" name="日期占位符 3">
             <a:extLst>
               <a:ext uri="{FF2B5EF4-FFF2-40B4-BE49-F238E27FC236}">
-                <a16:creationId xmlns:a16="http://schemas.microsoft.com/office/drawing/2014/main" id="{36DB7C4F-764B-2962-B46D-65FB07C4A138}"/>
+                <a16:creationId xmlns:a16="http://schemas.microsoft.com/office/drawing/2014/main" id="{36D1756F-76A0-B6D6-A846-45F026FE7601}"/>
               </a:ext>
             </a:extLst>
           </p:cNvPr>
@@ -658,7 +658,7 @@
           <a:bodyPr/>
           <a:lstStyle/>
           <a:p>
-            <a:fld id="{D67A56D4-F63E-4F07-8B35-9478B15E39BD}" type="datetimeFigureOut">
+            <a:fld id="{1EBDF2E8-719B-4272-A629-BAD6CEEE1EB8}" type="datetimeFigureOut">
               <a:rPr lang="zh-CN" altLang="en-US" smtClean="0"/>
               <a:t>2024/3/10</a:t>
             </a:fld>
@@ -671,7 +671,7 @@
           <p:cNvPr id="5" name="页脚占位符 4">
             <a:extLst>
               <a:ext uri="{FF2B5EF4-FFF2-40B4-BE49-F238E27FC236}">
-                <a16:creationId xmlns:a16="http://schemas.microsoft.com/office/drawing/2014/main" id="{79064DC0-AD27-592F-7897-DED4A612C6EB}"/>
+                <a16:creationId xmlns:a16="http://schemas.microsoft.com/office/drawing/2014/main" id="{3DF39434-E1DA-B121-5963-432179ECC91C}"/>
               </a:ext>
             </a:extLst>
           </p:cNvPr>
@@ -696,7 +696,7 @@
           <p:cNvPr id="6" name="灯片编号占位符 5">
             <a:extLst>
               <a:ext uri="{FF2B5EF4-FFF2-40B4-BE49-F238E27FC236}">
-                <a16:creationId xmlns:a16="http://schemas.microsoft.com/office/drawing/2014/main" id="{740BC2E3-037C-F4A8-9AE6-27E1520784CD}"/>
+                <a16:creationId xmlns:a16="http://schemas.microsoft.com/office/drawing/2014/main" id="{1166A538-FBA4-2B41-1996-2AF8C1BE58C0}"/>
               </a:ext>
             </a:extLst>
           </p:cNvPr>
@@ -712,7 +712,7 @@
           <a:bodyPr/>
           <a:lstStyle/>
           <a:p>
-            <a:fld id="{7C0145BC-BEB6-4AA0-85EB-9D4508F9EFD4}" type="slidenum">
+            <a:fld id="{446EBBE9-8515-4B64-808C-CE944719A30B}" type="slidenum">
               <a:rPr lang="zh-CN" altLang="en-US" smtClean="0"/>
               <a:t>‹#›</a:t>
             </a:fld>
@@ -723,7 +723,7 @@
     </p:spTree>
     <p:extLst>
       <p:ext uri="{BB962C8B-B14F-4D97-AF65-F5344CB8AC3E}">
-        <p14:creationId xmlns:p14="http://schemas.microsoft.com/office/powerpoint/2010/main" val="2945261546"/>
+        <p14:creationId xmlns:p14="http://schemas.microsoft.com/office/powerpoint/2010/main" val="2988619213"/>
       </p:ext>
     </p:extLst>
   </p:cSld>
@@ -755,7 +755,7 @@
           <p:cNvPr id="2" name="标题 1">
             <a:extLst>
               <a:ext uri="{FF2B5EF4-FFF2-40B4-BE49-F238E27FC236}">
-                <a16:creationId xmlns:a16="http://schemas.microsoft.com/office/drawing/2014/main" id="{F84689E6-A969-97BC-FD7F-1620E0047D85}"/>
+                <a16:creationId xmlns:a16="http://schemas.microsoft.com/office/drawing/2014/main" id="{9B51152A-5BDC-D597-8787-49814DF7DE85}"/>
               </a:ext>
             </a:extLst>
           </p:cNvPr>
@@ -783,7 +783,7 @@
           <p:cNvPr id="3" name="内容占位符 2">
             <a:extLst>
               <a:ext uri="{FF2B5EF4-FFF2-40B4-BE49-F238E27FC236}">
-                <a16:creationId xmlns:a16="http://schemas.microsoft.com/office/drawing/2014/main" id="{5FC7468E-52AA-665C-F920-A1F56AEAAB48}"/>
+                <a16:creationId xmlns:a16="http://schemas.microsoft.com/office/drawing/2014/main" id="{5B6DF8DC-767C-A5AF-F89C-C34AD590BD8A}"/>
               </a:ext>
             </a:extLst>
           </p:cNvPr>
@@ -840,7 +840,7 @@
           <p:cNvPr id="4" name="日期占位符 3">
             <a:extLst>
               <a:ext uri="{FF2B5EF4-FFF2-40B4-BE49-F238E27FC236}">
-                <a16:creationId xmlns:a16="http://schemas.microsoft.com/office/drawing/2014/main" id="{23EECFA2-B663-D5ED-5AA8-97C4C1336A73}"/>
+                <a16:creationId xmlns:a16="http://schemas.microsoft.com/office/drawing/2014/main" id="{4F6BDDA6-76F2-4892-6137-85220B550B4D}"/>
               </a:ext>
             </a:extLst>
           </p:cNvPr>
@@ -856,7 +856,7 @@
           <a:bodyPr/>
           <a:lstStyle/>
           <a:p>
-            <a:fld id="{D67A56D4-F63E-4F07-8B35-9478B15E39BD}" type="datetimeFigureOut">
+            <a:fld id="{1EBDF2E8-719B-4272-A629-BAD6CEEE1EB8}" type="datetimeFigureOut">
               <a:rPr lang="zh-CN" altLang="en-US" smtClean="0"/>
               <a:t>2024/3/10</a:t>
             </a:fld>
@@ -869,7 +869,7 @@
           <p:cNvPr id="5" name="页脚占位符 4">
             <a:extLst>
               <a:ext uri="{FF2B5EF4-FFF2-40B4-BE49-F238E27FC236}">
-                <a16:creationId xmlns:a16="http://schemas.microsoft.com/office/drawing/2014/main" id="{C94932F7-B0BE-2B93-CA3E-6A84DE1E9809}"/>
+                <a16:creationId xmlns:a16="http://schemas.microsoft.com/office/drawing/2014/main" id="{94718D8C-A4FA-FD81-F045-B7E3DCE253F8}"/>
               </a:ext>
             </a:extLst>
           </p:cNvPr>
@@ -894,7 +894,7 @@
           <p:cNvPr id="6" name="灯片编号占位符 5">
             <a:extLst>
               <a:ext uri="{FF2B5EF4-FFF2-40B4-BE49-F238E27FC236}">
-                <a16:creationId xmlns:a16="http://schemas.microsoft.com/office/drawing/2014/main" id="{20D32C7F-B2DC-F99F-4D0F-23FD84349A64}"/>
+                <a16:creationId xmlns:a16="http://schemas.microsoft.com/office/drawing/2014/main" id="{B1CCBEAC-47C4-9B48-A293-0108EE2A31FD}"/>
               </a:ext>
             </a:extLst>
           </p:cNvPr>
@@ -910,7 +910,7 @@
           <a:bodyPr/>
           <a:lstStyle/>
           <a:p>
-            <a:fld id="{7C0145BC-BEB6-4AA0-85EB-9D4508F9EFD4}" type="slidenum">
+            <a:fld id="{446EBBE9-8515-4B64-808C-CE944719A30B}" type="slidenum">
               <a:rPr lang="zh-CN" altLang="en-US" smtClean="0"/>
               <a:t>‹#›</a:t>
             </a:fld>
@@ -921,7 +921,7 @@
     </p:spTree>
     <p:extLst>
       <p:ext uri="{BB962C8B-B14F-4D97-AF65-F5344CB8AC3E}">
-        <p14:creationId xmlns:p14="http://schemas.microsoft.com/office/powerpoint/2010/main" val="1680201058"/>
+        <p14:creationId xmlns:p14="http://schemas.microsoft.com/office/powerpoint/2010/main" val="2771900334"/>
       </p:ext>
     </p:extLst>
   </p:cSld>
@@ -953,7 +953,7 @@
           <p:cNvPr id="2" name="标题 1">
             <a:extLst>
               <a:ext uri="{FF2B5EF4-FFF2-40B4-BE49-F238E27FC236}">
-                <a16:creationId xmlns:a16="http://schemas.microsoft.com/office/drawing/2014/main" id="{CBCCC607-6071-EBB9-3464-17E57462EEB0}"/>
+                <a16:creationId xmlns:a16="http://schemas.microsoft.com/office/drawing/2014/main" id="{CB7BA3D5-6234-DB7C-E8CC-FAD5A4C0D0BF}"/>
               </a:ext>
             </a:extLst>
           </p:cNvPr>
@@ -990,7 +990,7 @@
           <p:cNvPr id="3" name="文本占位符 2">
             <a:extLst>
               <a:ext uri="{FF2B5EF4-FFF2-40B4-BE49-F238E27FC236}">
-                <a16:creationId xmlns:a16="http://schemas.microsoft.com/office/drawing/2014/main" id="{605DC5BA-D2D9-0720-91F9-08DD1CBAAF44}"/>
+                <a16:creationId xmlns:a16="http://schemas.microsoft.com/office/drawing/2014/main" id="{354A2D15-B018-5327-D215-67D455C6FBEC}"/>
               </a:ext>
             </a:extLst>
           </p:cNvPr>
@@ -1115,7 +1115,7 @@
           <p:cNvPr id="4" name="日期占位符 3">
             <a:extLst>
               <a:ext uri="{FF2B5EF4-FFF2-40B4-BE49-F238E27FC236}">
-                <a16:creationId xmlns:a16="http://schemas.microsoft.com/office/drawing/2014/main" id="{46AD1FE3-F59B-D449-BA19-BE23C95D8F9B}"/>
+                <a16:creationId xmlns:a16="http://schemas.microsoft.com/office/drawing/2014/main" id="{9E0FB9E3-7F43-DABA-1E1C-C21C48B62778}"/>
               </a:ext>
             </a:extLst>
           </p:cNvPr>
@@ -1131,7 +1131,7 @@
           <a:bodyPr/>
           <a:lstStyle/>
           <a:p>
-            <a:fld id="{D67A56D4-F63E-4F07-8B35-9478B15E39BD}" type="datetimeFigureOut">
+            <a:fld id="{1EBDF2E8-719B-4272-A629-BAD6CEEE1EB8}" type="datetimeFigureOut">
               <a:rPr lang="zh-CN" altLang="en-US" smtClean="0"/>
               <a:t>2024/3/10</a:t>
             </a:fld>
@@ -1144,7 +1144,7 @@
           <p:cNvPr id="5" name="页脚占位符 4">
             <a:extLst>
               <a:ext uri="{FF2B5EF4-FFF2-40B4-BE49-F238E27FC236}">
-                <a16:creationId xmlns:a16="http://schemas.microsoft.com/office/drawing/2014/main" id="{8428DD43-C07D-E7D4-A08D-2DCD5B91965C}"/>
+                <a16:creationId xmlns:a16="http://schemas.microsoft.com/office/drawing/2014/main" id="{3DD3EAC0-13AA-9AF7-8DA8-304BBD34C1BC}"/>
               </a:ext>
             </a:extLst>
           </p:cNvPr>
@@ -1169,7 +1169,7 @@
           <p:cNvPr id="6" name="灯片编号占位符 5">
             <a:extLst>
               <a:ext uri="{FF2B5EF4-FFF2-40B4-BE49-F238E27FC236}">
-                <a16:creationId xmlns:a16="http://schemas.microsoft.com/office/drawing/2014/main" id="{BA7B440E-6035-644D-E99C-5BBE2D06260C}"/>
+                <a16:creationId xmlns:a16="http://schemas.microsoft.com/office/drawing/2014/main" id="{440222D1-C9B8-78B0-CBC3-18B49F719801}"/>
               </a:ext>
             </a:extLst>
           </p:cNvPr>
@@ -1185,7 +1185,7 @@
           <a:bodyPr/>
           <a:lstStyle/>
           <a:p>
-            <a:fld id="{7C0145BC-BEB6-4AA0-85EB-9D4508F9EFD4}" type="slidenum">
+            <a:fld id="{446EBBE9-8515-4B64-808C-CE944719A30B}" type="slidenum">
               <a:rPr lang="zh-CN" altLang="en-US" smtClean="0"/>
               <a:t>‹#›</a:t>
             </a:fld>
@@ -1196,7 +1196,7 @@
     </p:spTree>
     <p:extLst>
       <p:ext uri="{BB962C8B-B14F-4D97-AF65-F5344CB8AC3E}">
-        <p14:creationId xmlns:p14="http://schemas.microsoft.com/office/powerpoint/2010/main" val="1748115679"/>
+        <p14:creationId xmlns:p14="http://schemas.microsoft.com/office/powerpoint/2010/main" val="2968253799"/>
       </p:ext>
     </p:extLst>
   </p:cSld>
@@ -1228,7 +1228,7 @@
           <p:cNvPr id="2" name="标题 1">
             <a:extLst>
               <a:ext uri="{FF2B5EF4-FFF2-40B4-BE49-F238E27FC236}">
-                <a16:creationId xmlns:a16="http://schemas.microsoft.com/office/drawing/2014/main" id="{1CB38C4D-A475-B918-1D64-86ACC5427D61}"/>
+                <a16:creationId xmlns:a16="http://schemas.microsoft.com/office/drawing/2014/main" id="{A2DA652F-4B16-9DF4-887E-F4797E2EAB87}"/>
               </a:ext>
             </a:extLst>
           </p:cNvPr>
@@ -1256,7 +1256,7 @@
           <p:cNvPr id="3" name="内容占位符 2">
             <a:extLst>
               <a:ext uri="{FF2B5EF4-FFF2-40B4-BE49-F238E27FC236}">
-                <a16:creationId xmlns:a16="http://schemas.microsoft.com/office/drawing/2014/main" id="{E4364997-2B56-07F2-AF3A-D7AB8C5A3A30}"/>
+                <a16:creationId xmlns:a16="http://schemas.microsoft.com/office/drawing/2014/main" id="{C806A059-FA00-4EE6-25B2-671F1711E10B}"/>
               </a:ext>
             </a:extLst>
           </p:cNvPr>
@@ -1318,7 +1318,7 @@
           <p:cNvPr id="4" name="内容占位符 3">
             <a:extLst>
               <a:ext uri="{FF2B5EF4-FFF2-40B4-BE49-F238E27FC236}">
-                <a16:creationId xmlns:a16="http://schemas.microsoft.com/office/drawing/2014/main" id="{ED35094F-6A08-8B8A-1270-C121CE180F2F}"/>
+                <a16:creationId xmlns:a16="http://schemas.microsoft.com/office/drawing/2014/main" id="{8EC6748D-14DC-31B3-7A1D-CB4C86D8468F}"/>
               </a:ext>
             </a:extLst>
           </p:cNvPr>
@@ -1380,7 +1380,7 @@
           <p:cNvPr id="5" name="日期占位符 4">
             <a:extLst>
               <a:ext uri="{FF2B5EF4-FFF2-40B4-BE49-F238E27FC236}">
-                <a16:creationId xmlns:a16="http://schemas.microsoft.com/office/drawing/2014/main" id="{DB315D70-3261-9CB9-D986-4DFA1B45CF58}"/>
+                <a16:creationId xmlns:a16="http://schemas.microsoft.com/office/drawing/2014/main" id="{62884956-ED60-6651-9ECA-A0F9D466AE20}"/>
               </a:ext>
             </a:extLst>
           </p:cNvPr>
@@ -1396,7 +1396,7 @@
           <a:bodyPr/>
           <a:lstStyle/>
           <a:p>
-            <a:fld id="{D67A56D4-F63E-4F07-8B35-9478B15E39BD}" type="datetimeFigureOut">
+            <a:fld id="{1EBDF2E8-719B-4272-A629-BAD6CEEE1EB8}" type="datetimeFigureOut">
               <a:rPr lang="zh-CN" altLang="en-US" smtClean="0"/>
               <a:t>2024/3/10</a:t>
             </a:fld>
@@ -1409,7 +1409,7 @@
           <p:cNvPr id="6" name="页脚占位符 5">
             <a:extLst>
               <a:ext uri="{FF2B5EF4-FFF2-40B4-BE49-F238E27FC236}">
-                <a16:creationId xmlns:a16="http://schemas.microsoft.com/office/drawing/2014/main" id="{721D4C08-84C8-DC52-250E-74C8BCF2768D}"/>
+                <a16:creationId xmlns:a16="http://schemas.microsoft.com/office/drawing/2014/main" id="{313F9282-2DCC-B8AA-8230-C809EA526BB1}"/>
               </a:ext>
             </a:extLst>
           </p:cNvPr>
@@ -1434,7 +1434,7 @@
           <p:cNvPr id="7" name="灯片编号占位符 6">
             <a:extLst>
               <a:ext uri="{FF2B5EF4-FFF2-40B4-BE49-F238E27FC236}">
-                <a16:creationId xmlns:a16="http://schemas.microsoft.com/office/drawing/2014/main" id="{FB5956D2-1A47-A8BF-E879-7F93FBA50940}"/>
+                <a16:creationId xmlns:a16="http://schemas.microsoft.com/office/drawing/2014/main" id="{597A7ABF-78A0-1AC4-E1E7-7FA007E9A060}"/>
               </a:ext>
             </a:extLst>
           </p:cNvPr>
@@ -1450,7 +1450,7 @@
           <a:bodyPr/>
           <a:lstStyle/>
           <a:p>
-            <a:fld id="{7C0145BC-BEB6-4AA0-85EB-9D4508F9EFD4}" type="slidenum">
+            <a:fld id="{446EBBE9-8515-4B64-808C-CE944719A30B}" type="slidenum">
               <a:rPr lang="zh-CN" altLang="en-US" smtClean="0"/>
               <a:t>‹#›</a:t>
             </a:fld>
@@ -1461,7 +1461,7 @@
     </p:spTree>
     <p:extLst>
       <p:ext uri="{BB962C8B-B14F-4D97-AF65-F5344CB8AC3E}">
-        <p14:creationId xmlns:p14="http://schemas.microsoft.com/office/powerpoint/2010/main" val="572537457"/>
+        <p14:creationId xmlns:p14="http://schemas.microsoft.com/office/powerpoint/2010/main" val="937908245"/>
       </p:ext>
     </p:extLst>
   </p:cSld>
@@ -1493,7 +1493,7 @@
           <p:cNvPr id="2" name="标题 1">
             <a:extLst>
               <a:ext uri="{FF2B5EF4-FFF2-40B4-BE49-F238E27FC236}">
-                <a16:creationId xmlns:a16="http://schemas.microsoft.com/office/drawing/2014/main" id="{6DAA7438-801C-4DB5-C2EA-09EC5CF87DAE}"/>
+                <a16:creationId xmlns:a16="http://schemas.microsoft.com/office/drawing/2014/main" id="{E796B2DC-09A1-94F2-F84D-D6E381ACD5C6}"/>
               </a:ext>
             </a:extLst>
           </p:cNvPr>
@@ -1526,7 +1526,7 @@
           <p:cNvPr id="3" name="文本占位符 2">
             <a:extLst>
               <a:ext uri="{FF2B5EF4-FFF2-40B4-BE49-F238E27FC236}">
-                <a16:creationId xmlns:a16="http://schemas.microsoft.com/office/drawing/2014/main" id="{EA7AF63E-818A-3B31-E9AD-3BC163FB077C}"/>
+                <a16:creationId xmlns:a16="http://schemas.microsoft.com/office/drawing/2014/main" id="{4ED60278-D024-B9A0-F598-DE9721C8EF35}"/>
               </a:ext>
             </a:extLst>
           </p:cNvPr>
@@ -1597,7 +1597,7 @@
           <p:cNvPr id="4" name="内容占位符 3">
             <a:extLst>
               <a:ext uri="{FF2B5EF4-FFF2-40B4-BE49-F238E27FC236}">
-                <a16:creationId xmlns:a16="http://schemas.microsoft.com/office/drawing/2014/main" id="{BD91BBDF-2A75-A81C-D39A-BA5078A790D6}"/>
+                <a16:creationId xmlns:a16="http://schemas.microsoft.com/office/drawing/2014/main" id="{9E2E9DFC-C127-9465-863B-8DB88F49D8DF}"/>
               </a:ext>
             </a:extLst>
           </p:cNvPr>
@@ -1659,7 +1659,7 @@
           <p:cNvPr id="5" name="文本占位符 4">
             <a:extLst>
               <a:ext uri="{FF2B5EF4-FFF2-40B4-BE49-F238E27FC236}">
-                <a16:creationId xmlns:a16="http://schemas.microsoft.com/office/drawing/2014/main" id="{F7924659-1A0B-59AE-53FB-EBF31ECB80E7}"/>
+                <a16:creationId xmlns:a16="http://schemas.microsoft.com/office/drawing/2014/main" id="{E60D233A-654D-01E0-41D4-AED6A2A39677}"/>
               </a:ext>
             </a:extLst>
           </p:cNvPr>
@@ -1730,7 +1730,7 @@
           <p:cNvPr id="6" name="内容占位符 5">
             <a:extLst>
               <a:ext uri="{FF2B5EF4-FFF2-40B4-BE49-F238E27FC236}">
-                <a16:creationId xmlns:a16="http://schemas.microsoft.com/office/drawing/2014/main" id="{35A73254-C20B-9819-ADFA-A0F5B59C4159}"/>
+                <a16:creationId xmlns:a16="http://schemas.microsoft.com/office/drawing/2014/main" id="{BF56D337-0620-2B31-E538-0625DB9399AF}"/>
               </a:ext>
             </a:extLst>
           </p:cNvPr>
@@ -1792,7 +1792,7 @@
           <p:cNvPr id="7" name="日期占位符 6">
             <a:extLst>
               <a:ext uri="{FF2B5EF4-FFF2-40B4-BE49-F238E27FC236}">
-                <a16:creationId xmlns:a16="http://schemas.microsoft.com/office/drawing/2014/main" id="{B7962895-3FCD-B93A-89A6-A9A9B95B4E3F}"/>
+                <a16:creationId xmlns:a16="http://schemas.microsoft.com/office/drawing/2014/main" id="{09053222-F256-9C56-5545-9239F62EABD7}"/>
               </a:ext>
             </a:extLst>
           </p:cNvPr>
@@ -1808,7 +1808,7 @@
           <a:bodyPr/>
           <a:lstStyle/>
           <a:p>
-            <a:fld id="{D67A56D4-F63E-4F07-8B35-9478B15E39BD}" type="datetimeFigureOut">
+            <a:fld id="{1EBDF2E8-719B-4272-A629-BAD6CEEE1EB8}" type="datetimeFigureOut">
               <a:rPr lang="zh-CN" altLang="en-US" smtClean="0"/>
               <a:t>2024/3/10</a:t>
             </a:fld>
@@ -1821,7 +1821,7 @@
           <p:cNvPr id="8" name="页脚占位符 7">
             <a:extLst>
               <a:ext uri="{FF2B5EF4-FFF2-40B4-BE49-F238E27FC236}">
-                <a16:creationId xmlns:a16="http://schemas.microsoft.com/office/drawing/2014/main" id="{E82644D4-3722-2B80-78D9-EDCFA4B88AF4}"/>
+                <a16:creationId xmlns:a16="http://schemas.microsoft.com/office/drawing/2014/main" id="{FE65397B-48D0-5CFD-018F-2E65736B0E0B}"/>
               </a:ext>
             </a:extLst>
           </p:cNvPr>
@@ -1846,7 +1846,7 @@
           <p:cNvPr id="9" name="灯片编号占位符 8">
             <a:extLst>
               <a:ext uri="{FF2B5EF4-FFF2-40B4-BE49-F238E27FC236}">
-                <a16:creationId xmlns:a16="http://schemas.microsoft.com/office/drawing/2014/main" id="{FB7670A4-E459-2423-8252-DBC31E75D050}"/>
+                <a16:creationId xmlns:a16="http://schemas.microsoft.com/office/drawing/2014/main" id="{146D4658-3A6F-44CA-41AF-1E7BFBE03C02}"/>
               </a:ext>
             </a:extLst>
           </p:cNvPr>
@@ -1862,7 +1862,7 @@
           <a:bodyPr/>
           <a:lstStyle/>
           <a:p>
-            <a:fld id="{7C0145BC-BEB6-4AA0-85EB-9D4508F9EFD4}" type="slidenum">
+            <a:fld id="{446EBBE9-8515-4B64-808C-CE944719A30B}" type="slidenum">
               <a:rPr lang="zh-CN" altLang="en-US" smtClean="0"/>
               <a:t>‹#›</a:t>
             </a:fld>
@@ -1873,7 +1873,7 @@
     </p:spTree>
     <p:extLst>
       <p:ext uri="{BB962C8B-B14F-4D97-AF65-F5344CB8AC3E}">
-        <p14:creationId xmlns:p14="http://schemas.microsoft.com/office/powerpoint/2010/main" val="261136272"/>
+        <p14:creationId xmlns:p14="http://schemas.microsoft.com/office/powerpoint/2010/main" val="3701932515"/>
       </p:ext>
     </p:extLst>
   </p:cSld>
@@ -1905,7 +1905,7 @@
           <p:cNvPr id="2" name="标题 1">
             <a:extLst>
               <a:ext uri="{FF2B5EF4-FFF2-40B4-BE49-F238E27FC236}">
-                <a16:creationId xmlns:a16="http://schemas.microsoft.com/office/drawing/2014/main" id="{87CEE352-DDDF-2CFA-634F-DF76189ECD82}"/>
+                <a16:creationId xmlns:a16="http://schemas.microsoft.com/office/drawing/2014/main" id="{A76F61A2-8853-6987-9E9A-BE3D65D721EE}"/>
               </a:ext>
             </a:extLst>
           </p:cNvPr>
@@ -1933,7 +1933,7 @@
           <p:cNvPr id="3" name="日期占位符 2">
             <a:extLst>
               <a:ext uri="{FF2B5EF4-FFF2-40B4-BE49-F238E27FC236}">
-                <a16:creationId xmlns:a16="http://schemas.microsoft.com/office/drawing/2014/main" id="{FCBCCE17-F65D-F563-D670-4A417B485FE1}"/>
+                <a16:creationId xmlns:a16="http://schemas.microsoft.com/office/drawing/2014/main" id="{1321DE9E-9A8C-0B04-1F92-5EBBBCB26D41}"/>
               </a:ext>
             </a:extLst>
           </p:cNvPr>
@@ -1949,7 +1949,7 @@
           <a:bodyPr/>
           <a:lstStyle/>
           <a:p>
-            <a:fld id="{D67A56D4-F63E-4F07-8B35-9478B15E39BD}" type="datetimeFigureOut">
+            <a:fld id="{1EBDF2E8-719B-4272-A629-BAD6CEEE1EB8}" type="datetimeFigureOut">
               <a:rPr lang="zh-CN" altLang="en-US" smtClean="0"/>
               <a:t>2024/3/10</a:t>
             </a:fld>
@@ -1962,7 +1962,7 @@
           <p:cNvPr id="4" name="页脚占位符 3">
             <a:extLst>
               <a:ext uri="{FF2B5EF4-FFF2-40B4-BE49-F238E27FC236}">
-                <a16:creationId xmlns:a16="http://schemas.microsoft.com/office/drawing/2014/main" id="{05D8E5AF-85B7-FD7F-39F8-A44655C956B6}"/>
+                <a16:creationId xmlns:a16="http://schemas.microsoft.com/office/drawing/2014/main" id="{40995AC8-30A3-60F9-1B10-725870990235}"/>
               </a:ext>
             </a:extLst>
           </p:cNvPr>
@@ -1987,7 +1987,7 @@
           <p:cNvPr id="5" name="灯片编号占位符 4">
             <a:extLst>
               <a:ext uri="{FF2B5EF4-FFF2-40B4-BE49-F238E27FC236}">
-                <a16:creationId xmlns:a16="http://schemas.microsoft.com/office/drawing/2014/main" id="{55FAFC20-61F6-3DBE-8FD4-37476BAA9DDC}"/>
+                <a16:creationId xmlns:a16="http://schemas.microsoft.com/office/drawing/2014/main" id="{EB897B3D-474B-9E99-51F9-169E8F31E88B}"/>
               </a:ext>
             </a:extLst>
           </p:cNvPr>
@@ -2003,7 +2003,7 @@
           <a:bodyPr/>
           <a:lstStyle/>
           <a:p>
-            <a:fld id="{7C0145BC-BEB6-4AA0-85EB-9D4508F9EFD4}" type="slidenum">
+            <a:fld id="{446EBBE9-8515-4B64-808C-CE944719A30B}" type="slidenum">
               <a:rPr lang="zh-CN" altLang="en-US" smtClean="0"/>
               <a:t>‹#›</a:t>
             </a:fld>
@@ -2014,7 +2014,7 @@
     </p:spTree>
     <p:extLst>
       <p:ext uri="{BB962C8B-B14F-4D97-AF65-F5344CB8AC3E}">
-        <p14:creationId xmlns:p14="http://schemas.microsoft.com/office/powerpoint/2010/main" val="107323420"/>
+        <p14:creationId xmlns:p14="http://schemas.microsoft.com/office/powerpoint/2010/main" val="3102440173"/>
       </p:ext>
     </p:extLst>
   </p:cSld>
@@ -2046,7 +2046,7 @@
           <p:cNvPr id="2" name="日期占位符 1">
             <a:extLst>
               <a:ext uri="{FF2B5EF4-FFF2-40B4-BE49-F238E27FC236}">
-                <a16:creationId xmlns:a16="http://schemas.microsoft.com/office/drawing/2014/main" id="{C9ABA917-BE26-5B96-5FD5-4AC0F5A41262}"/>
+                <a16:creationId xmlns:a16="http://schemas.microsoft.com/office/drawing/2014/main" id="{BB2C7469-9F2E-C7D5-23A5-BF09A397EBA5}"/>
               </a:ext>
             </a:extLst>
           </p:cNvPr>
@@ -2062,7 +2062,7 @@
           <a:bodyPr/>
           <a:lstStyle/>
           <a:p>
-            <a:fld id="{D67A56D4-F63E-4F07-8B35-9478B15E39BD}" type="datetimeFigureOut">
+            <a:fld id="{1EBDF2E8-719B-4272-A629-BAD6CEEE1EB8}" type="datetimeFigureOut">
               <a:rPr lang="zh-CN" altLang="en-US" smtClean="0"/>
               <a:t>2024/3/10</a:t>
             </a:fld>
@@ -2075,7 +2075,7 @@
           <p:cNvPr id="3" name="页脚占位符 2">
             <a:extLst>
               <a:ext uri="{FF2B5EF4-FFF2-40B4-BE49-F238E27FC236}">
-                <a16:creationId xmlns:a16="http://schemas.microsoft.com/office/drawing/2014/main" id="{D59236E8-8DA9-E2CE-C8FF-33CD2F1CD079}"/>
+                <a16:creationId xmlns:a16="http://schemas.microsoft.com/office/drawing/2014/main" id="{B944AEF2-A549-B243-DDF1-E63CFF0F4840}"/>
               </a:ext>
             </a:extLst>
           </p:cNvPr>
@@ -2100,7 +2100,7 @@
           <p:cNvPr id="4" name="灯片编号占位符 3">
             <a:extLst>
               <a:ext uri="{FF2B5EF4-FFF2-40B4-BE49-F238E27FC236}">
-                <a16:creationId xmlns:a16="http://schemas.microsoft.com/office/drawing/2014/main" id="{9E454886-7E15-E0CA-C37D-292A7977D6AC}"/>
+                <a16:creationId xmlns:a16="http://schemas.microsoft.com/office/drawing/2014/main" id="{B4C194CB-FE59-0F81-1223-28E6FE0F15B6}"/>
               </a:ext>
             </a:extLst>
           </p:cNvPr>
@@ -2116,7 +2116,7 @@
           <a:bodyPr/>
           <a:lstStyle/>
           <a:p>
-            <a:fld id="{7C0145BC-BEB6-4AA0-85EB-9D4508F9EFD4}" type="slidenum">
+            <a:fld id="{446EBBE9-8515-4B64-808C-CE944719A30B}" type="slidenum">
               <a:rPr lang="zh-CN" altLang="en-US" smtClean="0"/>
               <a:t>‹#›</a:t>
             </a:fld>
@@ -2127,7 +2127,7 @@
     </p:spTree>
     <p:extLst>
       <p:ext uri="{BB962C8B-B14F-4D97-AF65-F5344CB8AC3E}">
-        <p14:creationId xmlns:p14="http://schemas.microsoft.com/office/powerpoint/2010/main" val="2132537230"/>
+        <p14:creationId xmlns:p14="http://schemas.microsoft.com/office/powerpoint/2010/main" val="2790620530"/>
       </p:ext>
     </p:extLst>
   </p:cSld>
@@ -2159,7 +2159,7 @@
           <p:cNvPr id="2" name="标题 1">
             <a:extLst>
               <a:ext uri="{FF2B5EF4-FFF2-40B4-BE49-F238E27FC236}">
-                <a16:creationId xmlns:a16="http://schemas.microsoft.com/office/drawing/2014/main" id="{52AF6FDC-D768-68E9-37DB-CAA32370278C}"/>
+                <a16:creationId xmlns:a16="http://schemas.microsoft.com/office/drawing/2014/main" id="{CA3AA170-BFA0-AEC1-4F13-B2287C633F4D}"/>
               </a:ext>
             </a:extLst>
           </p:cNvPr>
@@ -2196,7 +2196,7 @@
           <p:cNvPr id="3" name="内容占位符 2">
             <a:extLst>
               <a:ext uri="{FF2B5EF4-FFF2-40B4-BE49-F238E27FC236}">
-                <a16:creationId xmlns:a16="http://schemas.microsoft.com/office/drawing/2014/main" id="{6E3DE8E7-530B-3E19-B20E-D05436B9DFA7}"/>
+                <a16:creationId xmlns:a16="http://schemas.microsoft.com/office/drawing/2014/main" id="{A0E57C9F-1688-CE0E-A9DB-B093E4069ECC}"/>
               </a:ext>
             </a:extLst>
           </p:cNvPr>
@@ -2286,7 +2286,7 @@
           <p:cNvPr id="4" name="文本占位符 3">
             <a:extLst>
               <a:ext uri="{FF2B5EF4-FFF2-40B4-BE49-F238E27FC236}">
-                <a16:creationId xmlns:a16="http://schemas.microsoft.com/office/drawing/2014/main" id="{40F91381-E359-5890-0919-AEE3B7DC5C97}"/>
+                <a16:creationId xmlns:a16="http://schemas.microsoft.com/office/drawing/2014/main" id="{E467E234-D27E-B8D8-A880-86A23CBF2BFA}"/>
               </a:ext>
             </a:extLst>
           </p:cNvPr>
@@ -2357,7 +2357,7 @@
           <p:cNvPr id="5" name="日期占位符 4">
             <a:extLst>
               <a:ext uri="{FF2B5EF4-FFF2-40B4-BE49-F238E27FC236}">
-                <a16:creationId xmlns:a16="http://schemas.microsoft.com/office/drawing/2014/main" id="{04757CCE-488F-CCC8-A878-8077176B3C5E}"/>
+                <a16:creationId xmlns:a16="http://schemas.microsoft.com/office/drawing/2014/main" id="{066B69E1-C85B-883E-8F24-2E5D38F5B090}"/>
               </a:ext>
             </a:extLst>
           </p:cNvPr>
@@ -2373,7 +2373,7 @@
           <a:bodyPr/>
           <a:lstStyle/>
           <a:p>
-            <a:fld id="{D67A56D4-F63E-4F07-8B35-9478B15E39BD}" type="datetimeFigureOut">
+            <a:fld id="{1EBDF2E8-719B-4272-A629-BAD6CEEE1EB8}" type="datetimeFigureOut">
               <a:rPr lang="zh-CN" altLang="en-US" smtClean="0"/>
               <a:t>2024/3/10</a:t>
             </a:fld>
@@ -2386,7 +2386,7 @@
           <p:cNvPr id="6" name="页脚占位符 5">
             <a:extLst>
               <a:ext uri="{FF2B5EF4-FFF2-40B4-BE49-F238E27FC236}">
-                <a16:creationId xmlns:a16="http://schemas.microsoft.com/office/drawing/2014/main" id="{92C43438-3B88-2BC5-4E59-A3EDBA5011FF}"/>
+                <a16:creationId xmlns:a16="http://schemas.microsoft.com/office/drawing/2014/main" id="{DAD909E8-7428-1177-5D08-E5756718B406}"/>
               </a:ext>
             </a:extLst>
           </p:cNvPr>
@@ -2411,7 +2411,7 @@
           <p:cNvPr id="7" name="灯片编号占位符 6">
             <a:extLst>
               <a:ext uri="{FF2B5EF4-FFF2-40B4-BE49-F238E27FC236}">
-                <a16:creationId xmlns:a16="http://schemas.microsoft.com/office/drawing/2014/main" id="{7EC745A1-8CF4-45A0-CDDC-F3D9E0B988FF}"/>
+                <a16:creationId xmlns:a16="http://schemas.microsoft.com/office/drawing/2014/main" id="{E518A2B0-5C24-6A97-BDDA-432E625802A0}"/>
               </a:ext>
             </a:extLst>
           </p:cNvPr>
@@ -2427,7 +2427,7 @@
           <a:bodyPr/>
           <a:lstStyle/>
           <a:p>
-            <a:fld id="{7C0145BC-BEB6-4AA0-85EB-9D4508F9EFD4}" type="slidenum">
+            <a:fld id="{446EBBE9-8515-4B64-808C-CE944719A30B}" type="slidenum">
               <a:rPr lang="zh-CN" altLang="en-US" smtClean="0"/>
               <a:t>‹#›</a:t>
             </a:fld>
@@ -2438,7 +2438,7 @@
     </p:spTree>
     <p:extLst>
       <p:ext uri="{BB962C8B-B14F-4D97-AF65-F5344CB8AC3E}">
-        <p14:creationId xmlns:p14="http://schemas.microsoft.com/office/powerpoint/2010/main" val="1033645019"/>
+        <p14:creationId xmlns:p14="http://schemas.microsoft.com/office/powerpoint/2010/main" val="1532240030"/>
       </p:ext>
     </p:extLst>
   </p:cSld>
@@ -2470,7 +2470,7 @@
           <p:cNvPr id="2" name="标题 1">
             <a:extLst>
               <a:ext uri="{FF2B5EF4-FFF2-40B4-BE49-F238E27FC236}">
-                <a16:creationId xmlns:a16="http://schemas.microsoft.com/office/drawing/2014/main" id="{AD4C1F2C-1A28-5C94-4FD4-A116BE3E974B}"/>
+                <a16:creationId xmlns:a16="http://schemas.microsoft.com/office/drawing/2014/main" id="{352FC644-E431-EAD2-62D3-72216932A756}"/>
               </a:ext>
             </a:extLst>
           </p:cNvPr>
@@ -2507,7 +2507,7 @@
           <p:cNvPr id="3" name="图片占位符 2">
             <a:extLst>
               <a:ext uri="{FF2B5EF4-FFF2-40B4-BE49-F238E27FC236}">
-                <a16:creationId xmlns:a16="http://schemas.microsoft.com/office/drawing/2014/main" id="{F0CFC660-2C38-F21D-0ABD-A07A18C9AD76}"/>
+                <a16:creationId xmlns:a16="http://schemas.microsoft.com/office/drawing/2014/main" id="{D3818AB2-EDE1-7784-E774-A3976B0D8C61}"/>
               </a:ext>
             </a:extLst>
           </p:cNvPr>
@@ -2574,7 +2574,7 @@
           <p:cNvPr id="4" name="文本占位符 3">
             <a:extLst>
               <a:ext uri="{FF2B5EF4-FFF2-40B4-BE49-F238E27FC236}">
-                <a16:creationId xmlns:a16="http://schemas.microsoft.com/office/drawing/2014/main" id="{496F2EA1-52A1-B9E0-29C7-3E5B4B85A654}"/>
+                <a16:creationId xmlns:a16="http://schemas.microsoft.com/office/drawing/2014/main" id="{79E7CB94-C002-50AF-7911-C61078575008}"/>
               </a:ext>
             </a:extLst>
           </p:cNvPr>
@@ -2645,7 +2645,7 @@
           <p:cNvPr id="5" name="日期占位符 4">
             <a:extLst>
               <a:ext uri="{FF2B5EF4-FFF2-40B4-BE49-F238E27FC236}">
-                <a16:creationId xmlns:a16="http://schemas.microsoft.com/office/drawing/2014/main" id="{7B5DC802-EB20-04EC-C351-4870E798DACD}"/>
+                <a16:creationId xmlns:a16="http://schemas.microsoft.com/office/drawing/2014/main" id="{B8D47657-817D-37E9-1A9A-8C787E3E6940}"/>
               </a:ext>
             </a:extLst>
           </p:cNvPr>
@@ -2661,7 +2661,7 @@
           <a:bodyPr/>
           <a:lstStyle/>
           <a:p>
-            <a:fld id="{D67A56D4-F63E-4F07-8B35-9478B15E39BD}" type="datetimeFigureOut">
+            <a:fld id="{1EBDF2E8-719B-4272-A629-BAD6CEEE1EB8}" type="datetimeFigureOut">
               <a:rPr lang="zh-CN" altLang="en-US" smtClean="0"/>
               <a:t>2024/3/10</a:t>
             </a:fld>
@@ -2674,7 +2674,7 @@
           <p:cNvPr id="6" name="页脚占位符 5">
             <a:extLst>
               <a:ext uri="{FF2B5EF4-FFF2-40B4-BE49-F238E27FC236}">
-                <a16:creationId xmlns:a16="http://schemas.microsoft.com/office/drawing/2014/main" id="{8B9A0A8B-7165-7BC1-6B0F-4B3B48637326}"/>
+                <a16:creationId xmlns:a16="http://schemas.microsoft.com/office/drawing/2014/main" id="{0FE29E76-2B44-E254-66D4-59BC46574141}"/>
               </a:ext>
             </a:extLst>
           </p:cNvPr>
@@ -2699,7 +2699,7 @@
           <p:cNvPr id="7" name="灯片编号占位符 6">
             <a:extLst>
               <a:ext uri="{FF2B5EF4-FFF2-40B4-BE49-F238E27FC236}">
-                <a16:creationId xmlns:a16="http://schemas.microsoft.com/office/drawing/2014/main" id="{E0D00CA6-4358-0FF4-192E-4E10FA4AF0D9}"/>
+                <a16:creationId xmlns:a16="http://schemas.microsoft.com/office/drawing/2014/main" id="{4C78AD18-FC21-4155-7CDA-987291849C0D}"/>
               </a:ext>
             </a:extLst>
           </p:cNvPr>
@@ -2715,7 +2715,7 @@
           <a:bodyPr/>
           <a:lstStyle/>
           <a:p>
-            <a:fld id="{7C0145BC-BEB6-4AA0-85EB-9D4508F9EFD4}" type="slidenum">
+            <a:fld id="{446EBBE9-8515-4B64-808C-CE944719A30B}" type="slidenum">
               <a:rPr lang="zh-CN" altLang="en-US" smtClean="0"/>
               <a:t>‹#›</a:t>
             </a:fld>
@@ -2726,7 +2726,7 @@
     </p:spTree>
     <p:extLst>
       <p:ext uri="{BB962C8B-B14F-4D97-AF65-F5344CB8AC3E}">
-        <p14:creationId xmlns:p14="http://schemas.microsoft.com/office/powerpoint/2010/main" val="3254953223"/>
+        <p14:creationId xmlns:p14="http://schemas.microsoft.com/office/powerpoint/2010/main" val="3582187957"/>
       </p:ext>
     </p:extLst>
   </p:cSld>
@@ -2763,7 +2763,7 @@
           <p:cNvPr id="2" name="标题占位符 1">
             <a:extLst>
               <a:ext uri="{FF2B5EF4-FFF2-40B4-BE49-F238E27FC236}">
-                <a16:creationId xmlns:a16="http://schemas.microsoft.com/office/drawing/2014/main" id="{B4073D1B-86D2-1857-8524-867DF8FA4DFC}"/>
+                <a16:creationId xmlns:a16="http://schemas.microsoft.com/office/drawing/2014/main" id="{582CCBFE-D684-2EC1-9342-E19A76AD4C39}"/>
               </a:ext>
             </a:extLst>
           </p:cNvPr>
@@ -2801,7 +2801,7 @@
           <p:cNvPr id="3" name="文本占位符 2">
             <a:extLst>
               <a:ext uri="{FF2B5EF4-FFF2-40B4-BE49-F238E27FC236}">
-                <a16:creationId xmlns:a16="http://schemas.microsoft.com/office/drawing/2014/main" id="{08C65994-2EC7-7AB0-22AB-B0307532DF4E}"/>
+                <a16:creationId xmlns:a16="http://schemas.microsoft.com/office/drawing/2014/main" id="{2042AE1A-A3DC-BB2A-45EA-31C98AC022DA}"/>
               </a:ext>
             </a:extLst>
           </p:cNvPr>
@@ -2868,7 +2868,7 @@
           <p:cNvPr id="4" name="日期占位符 3">
             <a:extLst>
               <a:ext uri="{FF2B5EF4-FFF2-40B4-BE49-F238E27FC236}">
-                <a16:creationId xmlns:a16="http://schemas.microsoft.com/office/drawing/2014/main" id="{68216874-E313-B12B-AACC-C9FD3C27818F}"/>
+                <a16:creationId xmlns:a16="http://schemas.microsoft.com/office/drawing/2014/main" id="{4C7558E6-A8E9-E435-0F95-6302DBF873C7}"/>
               </a:ext>
             </a:extLst>
           </p:cNvPr>
@@ -2902,7 +2902,7 @@
             </a:lvl1pPr>
           </a:lstStyle>
           <a:p>
-            <a:fld id="{D67A56D4-F63E-4F07-8B35-9478B15E39BD}" type="datetimeFigureOut">
+            <a:fld id="{1EBDF2E8-719B-4272-A629-BAD6CEEE1EB8}" type="datetimeFigureOut">
               <a:rPr lang="zh-CN" altLang="en-US" smtClean="0"/>
               <a:t>2024/3/10</a:t>
             </a:fld>
@@ -2915,7 +2915,7 @@
           <p:cNvPr id="5" name="页脚占位符 4">
             <a:extLst>
               <a:ext uri="{FF2B5EF4-FFF2-40B4-BE49-F238E27FC236}">
-                <a16:creationId xmlns:a16="http://schemas.microsoft.com/office/drawing/2014/main" id="{B6C728E8-C93D-D583-4631-0E2C9F4F77C4}"/>
+                <a16:creationId xmlns:a16="http://schemas.microsoft.com/office/drawing/2014/main" id="{0CAF1E54-A8A5-6CAC-09DA-12DAC7FC16AE}"/>
               </a:ext>
             </a:extLst>
           </p:cNvPr>
@@ -2958,7 +2958,7 @@
           <p:cNvPr id="6" name="灯片编号占位符 5">
             <a:extLst>
               <a:ext uri="{FF2B5EF4-FFF2-40B4-BE49-F238E27FC236}">
-                <a16:creationId xmlns:a16="http://schemas.microsoft.com/office/drawing/2014/main" id="{875D775F-44C6-996A-4134-5B4FAD6AF5A4}"/>
+                <a16:creationId xmlns:a16="http://schemas.microsoft.com/office/drawing/2014/main" id="{CD1970D8-BA90-D164-CBF7-991871812ADB}"/>
               </a:ext>
             </a:extLst>
           </p:cNvPr>
@@ -2992,7 +2992,7 @@
             </a:lvl1pPr>
           </a:lstStyle>
           <a:p>
-            <a:fld id="{7C0145BC-BEB6-4AA0-85EB-9D4508F9EFD4}" type="slidenum">
+            <a:fld id="{446EBBE9-8515-4B64-808C-CE944719A30B}" type="slidenum">
               <a:rPr lang="zh-CN" altLang="en-US" smtClean="0"/>
               <a:t>‹#›</a:t>
             </a:fld>
@@ -3003,7 +3003,7 @@
     </p:spTree>
     <p:extLst>
       <p:ext uri="{BB962C8B-B14F-4D97-AF65-F5344CB8AC3E}">
-        <p14:creationId xmlns:p14="http://schemas.microsoft.com/office/powerpoint/2010/main" val="168581572"/>
+        <p14:creationId xmlns:p14="http://schemas.microsoft.com/office/powerpoint/2010/main" val="3527643646"/>
       </p:ext>
     </p:extLst>
   </p:cSld>
